--- a/English/6.Visuals/6.The Pie and Daunaut.pptx
+++ b/English/6.Visuals/6.The Pie and Daunaut.pptx
@@ -19,7 +19,7 @@
   <p:notesSz cx="6858000" cy="9144000"/>
   <p:defaultTextStyle>
     <a:defPPr>
-      <a:defRPr lang="en-US"/>
+      <a:defRPr lang="en"/>
     </a:defPPr>
     <a:lvl1pPr marL="0" algn="l" defTabSz="914400" rtl="0" eaLnBrk="1" latinLnBrk="0" hangingPunct="1">
       <a:defRPr sz="1800" kern="1200">
@@ -202,7 +202,7 @@
           <a:p>
             <a:fld id="{056BA3B8-9F76-4D81-B71D-76CB85363062}" type="datetimeFigureOut">
               <a:rPr lang="en-US" smtClean="0"/>
-              <a:t>1/4/2025</a:t>
+              <a:t>4/3/2025</a:t>
             </a:fld>
             <a:endParaRPr lang="en-US"/>
           </a:p>
@@ -601,7 +601,7 @@
           <a:p>
             <a:fld id="{6F01DA4D-20EA-48D2-973C-0311EC3005D6}" type="datetimeFigureOut">
               <a:rPr lang="en-US" smtClean="0"/>
-              <a:t>1/4/2025</a:t>
+              <a:t>4/3/2025</a:t>
             </a:fld>
             <a:endParaRPr lang="en-US"/>
           </a:p>
@@ -771,7 +771,7 @@
           <a:p>
             <a:fld id="{6F01DA4D-20EA-48D2-973C-0311EC3005D6}" type="datetimeFigureOut">
               <a:rPr lang="en-US" smtClean="0"/>
-              <a:t>1/4/2025</a:t>
+              <a:t>4/3/2025</a:t>
             </a:fld>
             <a:endParaRPr lang="en-US"/>
           </a:p>
@@ -951,7 +951,7 @@
           <a:p>
             <a:fld id="{6F01DA4D-20EA-48D2-973C-0311EC3005D6}" type="datetimeFigureOut">
               <a:rPr lang="en-US" smtClean="0"/>
-              <a:t>1/4/2025</a:t>
+              <a:t>4/3/2025</a:t>
             </a:fld>
             <a:endParaRPr lang="en-US"/>
           </a:p>
@@ -1121,7 +1121,7 @@
           <a:p>
             <a:fld id="{6F01DA4D-20EA-48D2-973C-0311EC3005D6}" type="datetimeFigureOut">
               <a:rPr lang="en-US" smtClean="0"/>
-              <a:t>1/4/2025</a:t>
+              <a:t>4/3/2025</a:t>
             </a:fld>
             <a:endParaRPr lang="en-US"/>
           </a:p>
@@ -1367,7 +1367,7 @@
           <a:p>
             <a:fld id="{6F01DA4D-20EA-48D2-973C-0311EC3005D6}" type="datetimeFigureOut">
               <a:rPr lang="en-US" smtClean="0"/>
-              <a:t>1/4/2025</a:t>
+              <a:t>4/3/2025</a:t>
             </a:fld>
             <a:endParaRPr lang="en-US"/>
           </a:p>
@@ -1599,7 +1599,7 @@
           <a:p>
             <a:fld id="{6F01DA4D-20EA-48D2-973C-0311EC3005D6}" type="datetimeFigureOut">
               <a:rPr lang="en-US" smtClean="0"/>
-              <a:t>1/4/2025</a:t>
+              <a:t>4/3/2025</a:t>
             </a:fld>
             <a:endParaRPr lang="en-US"/>
           </a:p>
@@ -1966,7 +1966,7 @@
           <a:p>
             <a:fld id="{6F01DA4D-20EA-48D2-973C-0311EC3005D6}" type="datetimeFigureOut">
               <a:rPr lang="en-US" smtClean="0"/>
-              <a:t>1/4/2025</a:t>
+              <a:t>4/3/2025</a:t>
             </a:fld>
             <a:endParaRPr lang="en-US"/>
           </a:p>
@@ -2084,7 +2084,7 @@
           <a:p>
             <a:fld id="{6F01DA4D-20EA-48D2-973C-0311EC3005D6}" type="datetimeFigureOut">
               <a:rPr lang="en-US" smtClean="0"/>
-              <a:t>1/4/2025</a:t>
+              <a:t>4/3/2025</a:t>
             </a:fld>
             <a:endParaRPr lang="en-US"/>
           </a:p>
@@ -2179,7 +2179,7 @@
           <a:p>
             <a:fld id="{6F01DA4D-20EA-48D2-973C-0311EC3005D6}" type="datetimeFigureOut">
               <a:rPr lang="en-US" smtClean="0"/>
-              <a:t>1/4/2025</a:t>
+              <a:t>4/3/2025</a:t>
             </a:fld>
             <a:endParaRPr lang="en-US"/>
           </a:p>
@@ -2456,7 +2456,7 @@
           <a:p>
             <a:fld id="{6F01DA4D-20EA-48D2-973C-0311EC3005D6}" type="datetimeFigureOut">
               <a:rPr lang="en-US" smtClean="0"/>
-              <a:t>1/4/2025</a:t>
+              <a:t>4/3/2025</a:t>
             </a:fld>
             <a:endParaRPr lang="en-US"/>
           </a:p>
@@ -2709,7 +2709,7 @@
           <a:p>
             <a:fld id="{6F01DA4D-20EA-48D2-973C-0311EC3005D6}" type="datetimeFigureOut">
               <a:rPr lang="en-US" smtClean="0"/>
-              <a:t>1/4/2025</a:t>
+              <a:t>4/3/2025</a:t>
             </a:fld>
             <a:endParaRPr lang="en-US"/>
           </a:p>
@@ -2922,7 +2922,7 @@
           <a:p>
             <a:fld id="{6F01DA4D-20EA-48D2-973C-0311EC3005D6}" type="datetimeFigureOut">
               <a:rPr lang="en-US" smtClean="0"/>
-              <a:t>1/4/2025</a:t>
+              <a:t>4/3/2025</a:t>
             </a:fld>
             <a:endParaRPr lang="en-US"/>
           </a:p>
@@ -3359,7 +3359,7 @@
           <a:p>
             <a:pPr algn="ctr"/>
             <a:r>
-              <a:rPr lang="fr-FR" sz="8000" b="1" dirty="0" smtClean="0">
+              <a:rPr lang="en" sz="8000" b="1" dirty="0" smtClean="0">
                 <a:solidFill>
                   <a:srgbClr val="7030A0"/>
                 </a:solidFill>
@@ -3367,10 +3367,10 @@
                 <a:ea typeface="Verdana" panose="020B0604030504040204" pitchFamily="34" charset="0"/>
                 <a:cs typeface="Segoe UI" panose="020B0502040204020203" pitchFamily="34" charset="0"/>
               </a:rPr>
-              <a:t>The Pie and </a:t>
-            </a:r>
-            <a:r>
-              <a:rPr lang="fr-FR" sz="8000" b="1" dirty="0" err="1" smtClean="0">
+              <a:t>The pie and </a:t>
+            </a:r>
+            <a:r>
+              <a:rPr lang="en" sz="8000" b="1" dirty="0" err="1" smtClean="0">
                 <a:solidFill>
                   <a:srgbClr val="7030A0"/>
                 </a:solidFill>
@@ -3378,7 +3378,7 @@
                 <a:ea typeface="Verdana" panose="020B0604030504040204" pitchFamily="34" charset="0"/>
                 <a:cs typeface="Segoe UI" panose="020B0502040204020203" pitchFamily="34" charset="0"/>
               </a:rPr>
-              <a:t>Daunaut</a:t>
+              <a:t>the Daunaut</a:t>
             </a:r>
             <a:endParaRPr lang="en-US" sz="8000" b="1" dirty="0">
               <a:solidFill>
@@ -3415,7 +3415,7 @@
           <a:p>
             <a:pPr algn="ctr"/>
             <a:r>
-              <a:rPr lang="fr-FR" sz="8000" b="1" dirty="0" smtClean="0">
+              <a:rPr lang="en" sz="8000" b="1" dirty="0" smtClean="0">
                 <a:solidFill>
                   <a:schemeClr val="bg1"/>
                 </a:solidFill>
@@ -3423,10 +3423,10 @@
                 <a:ea typeface="Verdana" panose="020B0604030504040204" pitchFamily="34" charset="0"/>
                 <a:cs typeface="Segoe UI" panose="020B0502040204020203" pitchFamily="34" charset="0"/>
               </a:rPr>
-              <a:t>The Pie and </a:t>
-            </a:r>
-            <a:r>
-              <a:rPr lang="fr-FR" sz="8000" b="1" dirty="0" err="1" smtClean="0">
+              <a:t>The pie and </a:t>
+            </a:r>
+            <a:r>
+              <a:rPr lang="en" sz="8000" b="1" dirty="0" err="1" smtClean="0">
                 <a:solidFill>
                   <a:schemeClr val="bg1"/>
                 </a:solidFill>
@@ -3434,7 +3434,7 @@
                 <a:ea typeface="Verdana" panose="020B0604030504040204" pitchFamily="34" charset="0"/>
                 <a:cs typeface="Segoe UI" panose="020B0502040204020203" pitchFamily="34" charset="0"/>
               </a:rPr>
-              <a:t>Daunaut</a:t>
+              <a:t>the Daunaut</a:t>
             </a:r>
             <a:endParaRPr lang="en-US" sz="8000" b="1" dirty="0">
               <a:solidFill>
@@ -3500,18 +3500,18 @@
           <a:lstStyle/>
           <a:p>
             <a:r>
-              <a:rPr lang="en-US" sz="2400" dirty="0" smtClean="0">
+              <a:rPr lang="en" sz="2400" dirty="0" smtClean="0">
                 <a:latin typeface="Segoe UI" panose="020B0502040204020203" pitchFamily="34" charset="0"/>
                 <a:cs typeface="Segoe UI" panose="020B0502040204020203" pitchFamily="34" charset="0"/>
               </a:rPr>
-              <a:t>The Pie and </a:t>
-            </a:r>
-            <a:r>
-              <a:rPr lang="en-US" sz="2400" dirty="0" err="1" smtClean="0">
+              <a:t>The pie and </a:t>
+            </a:r>
+            <a:r>
+              <a:rPr lang="en" sz="2400" dirty="0" err="1" smtClean="0">
                 <a:latin typeface="Segoe UI" panose="020B0502040204020203" pitchFamily="34" charset="0"/>
                 <a:cs typeface="Segoe UI" panose="020B0502040204020203" pitchFamily="34" charset="0"/>
               </a:rPr>
-              <a:t>Daunaut</a:t>
+              <a:t>the Daunaut</a:t>
             </a:r>
             <a:endParaRPr lang="en-US" sz="2400" dirty="0">
               <a:latin typeface="Segoe UI" panose="020B0502040204020203" pitchFamily="34" charset="0"/>
@@ -3550,31 +3550,23 @@
               </a:spcAft>
             </a:pPr>
             <a:r>
-              <a:rPr lang="en-US" dirty="0" smtClean="0">
+              <a:rPr lang="en" b="1" dirty="0" smtClean="0">
                 <a:latin typeface="Segoe UI" panose="020B0502040204020203" pitchFamily="34" charset="0"/>
                 <a:ea typeface="Calibri" panose="020F0502020204030204" pitchFamily="34" charset="0"/>
                 <a:cs typeface="Times New Roman" panose="02020603050405020304" pitchFamily="18" charset="0"/>
               </a:rPr>
-              <a:t>Add</a:t>
-            </a:r>
-            <a:r>
-              <a:rPr lang="en-US" b="1" dirty="0" smtClean="0">
+              <a:t>Pie </a:t>
+            </a:r>
+            <a:r>
+              <a:rPr lang="en" dirty="0" smtClean="0">
                 <a:latin typeface="Segoe UI" panose="020B0502040204020203" pitchFamily="34" charset="0"/>
                 <a:ea typeface="Calibri" panose="020F0502020204030204" pitchFamily="34" charset="0"/>
                 <a:cs typeface="Times New Roman" panose="02020603050405020304" pitchFamily="18" charset="0"/>
               </a:rPr>
-              <a:t> Pie </a:t>
-            </a:r>
-            <a:r>
-              <a:rPr lang="en-US" dirty="0" smtClean="0">
-                <a:latin typeface="Segoe UI" panose="020B0502040204020203" pitchFamily="34" charset="0"/>
-                <a:ea typeface="Calibri" panose="020F0502020204030204" pitchFamily="34" charset="0"/>
-                <a:cs typeface="Times New Roman" panose="02020603050405020304" pitchFamily="18" charset="0"/>
-              </a:rPr>
-              <a:t>visualization to the scene then add </a:t>
-            </a:r>
-            <a:r>
-              <a:rPr lang="en-US" b="1" dirty="0" err="1" smtClean="0">
+              <a:t>visualization to the scene, then add </a:t>
+            </a:r>
+            <a:r>
+              <a:rPr lang="en" b="1" dirty="0" err="1" smtClean="0">
                 <a:latin typeface="Segoe UI" panose="020B0502040204020203" pitchFamily="34" charset="0"/>
                 <a:ea typeface="Calibri" panose="020F0502020204030204" pitchFamily="34" charset="0"/>
                 <a:cs typeface="Times New Roman" panose="02020603050405020304" pitchFamily="18" charset="0"/>
@@ -3582,7 +3574,7 @@
               <a:t>OrderQuantity</a:t>
             </a:r>
             <a:r>
-              <a:rPr lang="en-US" b="1" dirty="0" smtClean="0">
+              <a:rPr lang="en" b="1" dirty="0" smtClean="0">
                 <a:latin typeface="Segoe UI" panose="020B0502040204020203" pitchFamily="34" charset="0"/>
                 <a:ea typeface="Calibri" panose="020F0502020204030204" pitchFamily="34" charset="0"/>
                 <a:cs typeface="Times New Roman" panose="02020603050405020304" pitchFamily="18" charset="0"/>
@@ -3590,7 +3582,7 @@
               <a:t> </a:t>
             </a:r>
             <a:r>
-              <a:rPr lang="en-US" dirty="0" smtClean="0">
+              <a:rPr lang="en" dirty="0" smtClean="0">
                 <a:latin typeface="Segoe UI" panose="020B0502040204020203" pitchFamily="34" charset="0"/>
                 <a:ea typeface="Calibri" panose="020F0502020204030204" pitchFamily="34" charset="0"/>
                 <a:cs typeface="Times New Roman" panose="02020603050405020304" pitchFamily="18" charset="0"/>
@@ -3598,7 +3590,7 @@
               <a:t>from </a:t>
             </a:r>
             <a:r>
-              <a:rPr lang="en-US" dirty="0" err="1" smtClean="0">
+              <a:rPr lang="en" dirty="0" err="1" smtClean="0">
                 <a:latin typeface="Segoe UI" panose="020B0502040204020203" pitchFamily="34" charset="0"/>
                 <a:ea typeface="Calibri" panose="020F0502020204030204" pitchFamily="34" charset="0"/>
                 <a:cs typeface="Times New Roman" panose="02020603050405020304" pitchFamily="18" charset="0"/>
@@ -3606,7 +3598,7 @@
               <a:t>FactInternetSales</a:t>
             </a:r>
             <a:r>
-              <a:rPr lang="en-US" b="1" dirty="0" smtClean="0">
+              <a:rPr lang="en" b="1" dirty="0" smtClean="0">
                 <a:latin typeface="Segoe UI" panose="020B0502040204020203" pitchFamily="34" charset="0"/>
                 <a:ea typeface="Calibri" panose="020F0502020204030204" pitchFamily="34" charset="0"/>
                 <a:cs typeface="Times New Roman" panose="02020603050405020304" pitchFamily="18" charset="0"/>
@@ -3614,20 +3606,20 @@
               <a:t> </a:t>
             </a:r>
             <a:r>
-              <a:rPr lang="en-US" dirty="0" smtClean="0">
+              <a:rPr lang="en" dirty="0" smtClean="0">
                 <a:latin typeface="Segoe UI" panose="020B0502040204020203" pitchFamily="34" charset="0"/>
                 <a:ea typeface="Calibri" panose="020F0502020204030204" pitchFamily="34" charset="0"/>
                 <a:cs typeface="Times New Roman" panose="02020603050405020304" pitchFamily="18" charset="0"/>
               </a:rPr>
-              <a:t>to the </a:t>
-            </a:r>
-            <a:r>
-              <a:rPr lang="en-US" b="1" dirty="0" smtClean="0">
+              <a:t>to </a:t>
+            </a:r>
+            <a:r>
+              <a:rPr lang="en" b="1" dirty="0" smtClean="0">
                 <a:latin typeface="Segoe UI" panose="020B0502040204020203" pitchFamily="34" charset="0"/>
                 <a:ea typeface="Calibri" panose="020F0502020204030204" pitchFamily="34" charset="0"/>
                 <a:cs typeface="Times New Roman" panose="02020603050405020304" pitchFamily="18" charset="0"/>
               </a:rPr>
-              <a:t>Values</a:t>
+              <a:t>the values</a:t>
             </a:r>
             <a:endParaRPr lang="en-US" sz="1400" dirty="0">
               <a:effectLst/>
@@ -3807,18 +3799,18 @@
           <a:lstStyle/>
           <a:p>
             <a:r>
-              <a:rPr lang="en-US" sz="2400" dirty="0" smtClean="0">
+              <a:rPr lang="en" sz="2400" dirty="0" smtClean="0">
                 <a:latin typeface="Segoe UI" panose="020B0502040204020203" pitchFamily="34" charset="0"/>
                 <a:cs typeface="Segoe UI" panose="020B0502040204020203" pitchFamily="34" charset="0"/>
               </a:rPr>
-              <a:t>The Pie and </a:t>
-            </a:r>
-            <a:r>
-              <a:rPr lang="en-US" sz="2400" dirty="0" err="1" smtClean="0">
+              <a:t>The pie and </a:t>
+            </a:r>
+            <a:r>
+              <a:rPr lang="en" sz="2400" dirty="0" err="1" smtClean="0">
                 <a:latin typeface="Segoe UI" panose="020B0502040204020203" pitchFamily="34" charset="0"/>
                 <a:cs typeface="Segoe UI" panose="020B0502040204020203" pitchFamily="34" charset="0"/>
               </a:rPr>
-              <a:t>Daunaut</a:t>
+              <a:t>the Daunaut</a:t>
             </a:r>
             <a:endParaRPr lang="en-US" sz="2400" dirty="0">
               <a:latin typeface="Segoe UI" panose="020B0502040204020203" pitchFamily="34" charset="0"/>
@@ -3857,7 +3849,7 @@
               </a:spcAft>
             </a:pPr>
             <a:r>
-              <a:rPr lang="en-US" dirty="0" smtClean="0">
+              <a:rPr lang="en" dirty="0" smtClean="0">
                 <a:latin typeface="Segoe UI" panose="020B0502040204020203" pitchFamily="34" charset="0"/>
                 <a:ea typeface="Calibri" panose="020F0502020204030204" pitchFamily="34" charset="0"/>
                 <a:cs typeface="Times New Roman" panose="02020603050405020304" pitchFamily="18" charset="0"/>
@@ -3865,15 +3857,15 @@
               <a:t>Then add the </a:t>
             </a:r>
             <a:r>
-              <a:rPr lang="en-US" b="1" dirty="0" err="1" smtClean="0">
+              <a:rPr lang="en" b="1" dirty="0" err="1" smtClean="0">
                 <a:latin typeface="Segoe UI" panose="020B0502040204020203" pitchFamily="34" charset="0"/>
                 <a:ea typeface="Calibri" panose="020F0502020204030204" pitchFamily="34" charset="0"/>
                 <a:cs typeface="Times New Roman" panose="02020603050405020304" pitchFamily="18" charset="0"/>
               </a:rPr>
-              <a:t>ModelName</a:t>
-            </a:r>
-            <a:r>
-              <a:rPr lang="en-US" b="1" dirty="0" smtClean="0">
+              <a:t>model name</a:t>
+            </a:r>
+            <a:r>
+              <a:rPr lang="en" b="1" dirty="0" smtClean="0">
                 <a:latin typeface="Segoe UI" panose="020B0502040204020203" pitchFamily="34" charset="0"/>
                 <a:ea typeface="Calibri" panose="020F0502020204030204" pitchFamily="34" charset="0"/>
                 <a:cs typeface="Times New Roman" panose="02020603050405020304" pitchFamily="18" charset="0"/>
@@ -3881,15 +3873,15 @@
               <a:t> </a:t>
             </a:r>
             <a:r>
-              <a:rPr lang="en-US" dirty="0" smtClean="0">
+              <a:rPr lang="en" dirty="0" smtClean="0">
                 <a:latin typeface="Segoe UI" panose="020B0502040204020203" pitchFamily="34" charset="0"/>
                 <a:ea typeface="Calibri" panose="020F0502020204030204" pitchFamily="34" charset="0"/>
                 <a:cs typeface="Times New Roman" panose="02020603050405020304" pitchFamily="18" charset="0"/>
               </a:rPr>
-              <a:t>from</a:t>
-            </a:r>
-            <a:r>
-              <a:rPr lang="en-US" b="1" dirty="0" smtClean="0">
+              <a:t>Since</a:t>
+            </a:r>
+            <a:r>
+              <a:rPr lang="en" b="1" dirty="0" smtClean="0">
                 <a:latin typeface="Segoe UI" panose="020B0502040204020203" pitchFamily="34" charset="0"/>
                 <a:ea typeface="Calibri" panose="020F0502020204030204" pitchFamily="34" charset="0"/>
                 <a:cs typeface="Times New Roman" panose="02020603050405020304" pitchFamily="18" charset="0"/>
@@ -3897,7 +3889,7 @@
               <a:t> </a:t>
             </a:r>
             <a:r>
-              <a:rPr lang="en-US" b="1" dirty="0" err="1" smtClean="0">
+              <a:rPr lang="en" b="1" dirty="0" err="1" smtClean="0">
                 <a:latin typeface="Segoe UI" panose="020B0502040204020203" pitchFamily="34" charset="0"/>
                 <a:ea typeface="Calibri" panose="020F0502020204030204" pitchFamily="34" charset="0"/>
                 <a:cs typeface="Times New Roman" panose="02020603050405020304" pitchFamily="18" charset="0"/>
@@ -3905,7 +3897,7 @@
               <a:t>DimProduct</a:t>
             </a:r>
             <a:r>
-              <a:rPr lang="en-US" b="1" dirty="0" smtClean="0">
+              <a:rPr lang="en" b="1" dirty="0" smtClean="0">
                 <a:latin typeface="Segoe UI" panose="020B0502040204020203" pitchFamily="34" charset="0"/>
                 <a:ea typeface="Calibri" panose="020F0502020204030204" pitchFamily="34" charset="0"/>
                 <a:cs typeface="Times New Roman" panose="02020603050405020304" pitchFamily="18" charset="0"/>
@@ -3913,28 +3905,12 @@
               <a:t> </a:t>
             </a:r>
             <a:r>
-              <a:rPr lang="en-US" dirty="0" smtClean="0">
+              <a:rPr lang="en" dirty="0" smtClean="0">
                 <a:latin typeface="Segoe UI" panose="020B0502040204020203" pitchFamily="34" charset="0"/>
                 <a:ea typeface="Calibri" panose="020F0502020204030204" pitchFamily="34" charset="0"/>
                 <a:cs typeface="Times New Roman" panose="02020603050405020304" pitchFamily="18" charset="0"/>
               </a:rPr>
-              <a:t>at the </a:t>
-            </a:r>
-            <a:r>
-              <a:rPr lang="en-US" b="1" dirty="0" smtClean="0">
-                <a:latin typeface="Segoe UI" panose="020B0502040204020203" pitchFamily="34" charset="0"/>
-                <a:ea typeface="Calibri" panose="020F0502020204030204" pitchFamily="34" charset="0"/>
-                <a:cs typeface="Times New Roman" panose="02020603050405020304" pitchFamily="18" charset="0"/>
-              </a:rPr>
-              <a:t>Legend </a:t>
-            </a:r>
-            <a:r>
-              <a:rPr lang="en-US" dirty="0" smtClean="0">
-                <a:latin typeface="Segoe UI" panose="020B0502040204020203" pitchFamily="34" charset="0"/>
-                <a:ea typeface="Calibri" panose="020F0502020204030204" pitchFamily="34" charset="0"/>
-                <a:cs typeface="Times New Roman" panose="02020603050405020304" pitchFamily="18" charset="0"/>
-              </a:rPr>
-              <a:t>level </a:t>
+              <a:t>at </a:t>
             </a:r>
             <a:endParaRPr lang="en-US" sz="1400" dirty="0">
               <a:effectLst/>
@@ -4032,18 +4008,18 @@
           <a:lstStyle/>
           <a:p>
             <a:r>
-              <a:rPr lang="en-US" sz="2400" dirty="0" smtClean="0">
+              <a:rPr lang="en" sz="2400" dirty="0" smtClean="0">
                 <a:latin typeface="Segoe UI" panose="020B0502040204020203" pitchFamily="34" charset="0"/>
                 <a:cs typeface="Segoe UI" panose="020B0502040204020203" pitchFamily="34" charset="0"/>
               </a:rPr>
-              <a:t>The Pie and </a:t>
-            </a:r>
-            <a:r>
-              <a:rPr lang="en-US" sz="2400" dirty="0" err="1" smtClean="0">
+              <a:t>The pie and </a:t>
+            </a:r>
+            <a:r>
+              <a:rPr lang="en" sz="2400" dirty="0" err="1" smtClean="0">
                 <a:latin typeface="Segoe UI" panose="020B0502040204020203" pitchFamily="34" charset="0"/>
                 <a:cs typeface="Segoe UI" panose="020B0502040204020203" pitchFamily="34" charset="0"/>
               </a:rPr>
-              <a:t>Daunaut</a:t>
+              <a:t>the Daunaut</a:t>
             </a:r>
             <a:endParaRPr lang="en-US" sz="2400" dirty="0">
               <a:latin typeface="Segoe UI" panose="020B0502040204020203" pitchFamily="34" charset="0"/>
@@ -4082,7 +4058,7 @@
               </a:spcAft>
             </a:pPr>
             <a:r>
-              <a:rPr lang="fr-FR" dirty="0">
+              <a:rPr lang="en" dirty="0">
                 <a:latin typeface="Segoe UI" panose="020B0502040204020203" pitchFamily="34" charset="0"/>
                 <a:ea typeface="Calibri" panose="020F0502020204030204" pitchFamily="34" charset="0"/>
                 <a:cs typeface="Times New Roman" panose="02020603050405020304" pitchFamily="18" charset="0"/>
@@ -4090,7 +4066,7 @@
               <a:t>Select </a:t>
             </a:r>
             <a:r>
-              <a:rPr lang="fr-FR" dirty="0" err="1">
+              <a:rPr lang="en" dirty="0" err="1">
                 <a:latin typeface="Segoe UI" panose="020B0502040204020203" pitchFamily="34" charset="0"/>
                 <a:ea typeface="Calibri" panose="020F0502020204030204" pitchFamily="34" charset="0"/>
                 <a:cs typeface="Times New Roman" panose="02020603050405020304" pitchFamily="18" charset="0"/>
@@ -4098,7 +4074,7 @@
               <a:t>Daunaut</a:t>
             </a:r>
             <a:r>
-              <a:rPr lang="fr-FR" dirty="0">
+              <a:rPr lang="en" dirty="0">
                 <a:latin typeface="Segoe UI" panose="020B0502040204020203" pitchFamily="34" charset="0"/>
                 <a:ea typeface="Calibri" panose="020F0502020204030204" pitchFamily="34" charset="0"/>
                 <a:cs typeface="Times New Roman" panose="02020603050405020304" pitchFamily="18" charset="0"/>
@@ -4106,20 +4082,20 @@
               <a:t> </a:t>
             </a:r>
             <a:r>
-              <a:rPr lang="fr-FR" dirty="0" err="1">
+              <a:rPr lang="en" dirty="0" err="1">
                 <a:latin typeface="Segoe UI" panose="020B0502040204020203" pitchFamily="34" charset="0"/>
                 <a:ea typeface="Calibri" panose="020F0502020204030204" pitchFamily="34" charset="0"/>
                 <a:cs typeface="Times New Roman" panose="02020603050405020304" pitchFamily="18" charset="0"/>
               </a:rPr>
-              <a:t>instead</a:t>
-            </a:r>
-            <a:r>
-              <a:rPr lang="fr-FR" dirty="0">
+              <a:t>instead </a:t>
+            </a:r>
+            <a:r>
+              <a:rPr lang="en" dirty="0">
                 <a:latin typeface="Segoe UI" panose="020B0502040204020203" pitchFamily="34" charset="0"/>
                 <a:ea typeface="Calibri" panose="020F0502020204030204" pitchFamily="34" charset="0"/>
                 <a:cs typeface="Times New Roman" panose="02020603050405020304" pitchFamily="18" charset="0"/>
               </a:rPr>
-              <a:t> of Pie</a:t>
+              <a:t>of pie</a:t>
             </a:r>
             <a:endParaRPr lang="en-US" sz="1400" dirty="0">
               <a:effectLst/>
@@ -4217,18 +4193,18 @@
           <a:lstStyle/>
           <a:p>
             <a:r>
-              <a:rPr lang="en-US" sz="2400" dirty="0" smtClean="0">
+              <a:rPr lang="en" sz="2400" dirty="0" smtClean="0">
                 <a:latin typeface="Segoe UI" panose="020B0502040204020203" pitchFamily="34" charset="0"/>
                 <a:cs typeface="Segoe UI" panose="020B0502040204020203" pitchFamily="34" charset="0"/>
               </a:rPr>
-              <a:t>The Pie and </a:t>
-            </a:r>
-            <a:r>
-              <a:rPr lang="en-US" sz="2400" dirty="0" err="1" smtClean="0">
+              <a:t>The pie and </a:t>
+            </a:r>
+            <a:r>
+              <a:rPr lang="en" sz="2400" dirty="0" err="1" smtClean="0">
                 <a:latin typeface="Segoe UI" panose="020B0502040204020203" pitchFamily="34" charset="0"/>
                 <a:cs typeface="Segoe UI" panose="020B0502040204020203" pitchFamily="34" charset="0"/>
               </a:rPr>
-              <a:t>Daunaut</a:t>
+              <a:t>the Daunaut</a:t>
             </a:r>
             <a:endParaRPr lang="en-US" sz="2400" dirty="0">
               <a:latin typeface="Segoe UI" panose="020B0502040204020203" pitchFamily="34" charset="0"/>
@@ -4267,7 +4243,7 @@
               </a:spcAft>
             </a:pPr>
             <a:r>
-              <a:rPr lang="en-US" dirty="0" smtClean="0">
+              <a:rPr lang="en" dirty="0" smtClean="0">
                 <a:latin typeface="Segoe UI" panose="020B0502040204020203" pitchFamily="34" charset="0"/>
                 <a:ea typeface="Calibri" panose="020F0502020204030204" pitchFamily="34" charset="0"/>
                 <a:cs typeface="Times New Roman" panose="02020603050405020304" pitchFamily="18" charset="0"/>
@@ -4275,15 +4251,15 @@
               <a:t>Add </a:t>
             </a:r>
             <a:r>
-              <a:rPr lang="en-US" b="1" dirty="0" err="1" smtClean="0">
+              <a:rPr lang="en" b="1" dirty="0" err="1" smtClean="0">
                 <a:latin typeface="Segoe UI" panose="020B0502040204020203" pitchFamily="34" charset="0"/>
                 <a:ea typeface="Calibri" panose="020F0502020204030204" pitchFamily="34" charset="0"/>
                 <a:cs typeface="Times New Roman" panose="02020603050405020304" pitchFamily="18" charset="0"/>
               </a:rPr>
-              <a:t>ProductLine</a:t>
-            </a:r>
-            <a:r>
-              <a:rPr lang="en-US" b="1" dirty="0" smtClean="0">
+              <a:t>a product line</a:t>
+            </a:r>
+            <a:r>
+              <a:rPr lang="en" b="1" dirty="0" smtClean="0">
                 <a:latin typeface="Segoe UI" panose="020B0502040204020203" pitchFamily="34" charset="0"/>
                 <a:ea typeface="Calibri" panose="020F0502020204030204" pitchFamily="34" charset="0"/>
                 <a:cs typeface="Times New Roman" panose="02020603050405020304" pitchFamily="18" charset="0"/>
@@ -4291,7 +4267,7 @@
               <a:t> </a:t>
             </a:r>
             <a:r>
-              <a:rPr lang="en-US" dirty="0" smtClean="0">
+              <a:rPr lang="en" dirty="0" smtClean="0">
                 <a:latin typeface="Segoe UI" panose="020B0502040204020203" pitchFamily="34" charset="0"/>
                 <a:ea typeface="Calibri" panose="020F0502020204030204" pitchFamily="34" charset="0"/>
                 <a:cs typeface="Times New Roman" panose="02020603050405020304" pitchFamily="18" charset="0"/>
@@ -4299,7 +4275,7 @@
               <a:t>from </a:t>
             </a:r>
             <a:r>
-              <a:rPr lang="en-US" b="1" dirty="0" err="1" smtClean="0">
+              <a:rPr lang="en" b="1" dirty="0" err="1" smtClean="0">
                 <a:latin typeface="Segoe UI" panose="020B0502040204020203" pitchFamily="34" charset="0"/>
                 <a:ea typeface="Calibri" panose="020F0502020204030204" pitchFamily="34" charset="0"/>
                 <a:cs typeface="Times New Roman" panose="02020603050405020304" pitchFamily="18" charset="0"/>
@@ -4307,7 +4283,7 @@
               <a:t>DimProduct</a:t>
             </a:r>
             <a:r>
-              <a:rPr lang="en-US" b="1" dirty="0" smtClean="0">
+              <a:rPr lang="en" b="1" dirty="0" smtClean="0">
                 <a:latin typeface="Segoe UI" panose="020B0502040204020203" pitchFamily="34" charset="0"/>
                 <a:ea typeface="Calibri" panose="020F0502020204030204" pitchFamily="34" charset="0"/>
                 <a:cs typeface="Times New Roman" panose="02020603050405020304" pitchFamily="18" charset="0"/>
@@ -4315,44 +4291,28 @@
               <a:t> </a:t>
             </a:r>
             <a:r>
-              <a:rPr lang="en-US" dirty="0" smtClean="0">
+              <a:rPr lang="en" dirty="0" smtClean="0">
                 <a:latin typeface="Segoe UI" panose="020B0502040204020203" pitchFamily="34" charset="0"/>
                 <a:ea typeface="Calibri" panose="020F0502020204030204" pitchFamily="34" charset="0"/>
                 <a:cs typeface="Times New Roman" panose="02020603050405020304" pitchFamily="18" charset="0"/>
               </a:rPr>
-              <a:t>table</a:t>
-            </a:r>
-            <a:r>
-              <a:rPr lang="en-US" b="1" dirty="0" smtClean="0">
+              <a:t>painting </a:t>
+            </a:r>
+            <a:r>
+              <a:rPr lang="en" b="1" dirty="0" smtClean="0">
                 <a:latin typeface="Segoe UI" panose="020B0502040204020203" pitchFamily="34" charset="0"/>
                 <a:ea typeface="Calibri" panose="020F0502020204030204" pitchFamily="34" charset="0"/>
                 <a:cs typeface="Times New Roman" panose="02020603050405020304" pitchFamily="18" charset="0"/>
               </a:rPr>
-              <a:t> </a:t>
-            </a:r>
-            <a:r>
-              <a:rPr lang="en-US" dirty="0" smtClean="0">
+              <a:t> in the Details </a:t>
+            </a:r>
+            <a:r>
+              <a:rPr lang="en" dirty="0" smtClean="0">
                 <a:latin typeface="Segoe UI" panose="020B0502040204020203" pitchFamily="34" charset="0"/>
                 <a:ea typeface="Calibri" panose="020F0502020204030204" pitchFamily="34" charset="0"/>
                 <a:cs typeface="Times New Roman" panose="02020603050405020304" pitchFamily="18" charset="0"/>
               </a:rPr>
-              <a:t>to the </a:t>
-            </a:r>
-            <a:r>
-              <a:rPr lang="en-US" b="1" dirty="0" smtClean="0">
-                <a:latin typeface="Segoe UI" panose="020B0502040204020203" pitchFamily="34" charset="0"/>
-                <a:ea typeface="Calibri" panose="020F0502020204030204" pitchFamily="34" charset="0"/>
-                <a:cs typeface="Times New Roman" panose="02020603050405020304" pitchFamily="18" charset="0"/>
-              </a:rPr>
-              <a:t>Details </a:t>
-            </a:r>
-            <a:r>
-              <a:rPr lang="en-US" dirty="0" smtClean="0">
-                <a:latin typeface="Segoe UI" panose="020B0502040204020203" pitchFamily="34" charset="0"/>
-                <a:ea typeface="Calibri" panose="020F0502020204030204" pitchFamily="34" charset="0"/>
-                <a:cs typeface="Times New Roman" panose="02020603050405020304" pitchFamily="18" charset="0"/>
-              </a:rPr>
-              <a:t>field and hover the mouse on a given segment </a:t>
+              <a:t>field and hover over a given segment</a:t>
             </a:r>
             <a:endParaRPr lang="en-US" sz="1400" dirty="0">
               <a:effectLst/>
